--- a/resource/0002/0002.pptx
+++ b/resource/0002/0002.pptx
@@ -3851,14 +3851,14 @@
                 <a:latin typeface="Alibaba Sans Black" panose="020B0A03020203040204" pitchFamily="34" charset="0"/>
                 <a:cs typeface="Alibaba Sans Black" panose="020B0A03020203040204" pitchFamily="34" charset="0"/>
               </a:rPr>
-              <a:t>[0002] </a:t>
+              <a:t>[0002] blender</a:t>
             </a:r>
             <a:r>
               <a:rPr lang="zh-CN" altLang="en-US" sz="2400" b="1" dirty="0">
                 <a:latin typeface="Alibaba Sans Black" panose="020B0A03020203040204" pitchFamily="34" charset="0"/>
                 <a:cs typeface="Alibaba Sans Black" panose="020B0A03020203040204" pitchFamily="34" charset="0"/>
               </a:rPr>
-              <a:t>让带有骨骼的英雄动起来</a:t>
+              <a:t>用骨骼调整人物动作</a:t>
             </a:r>
             <a:endParaRPr lang="en-US" altLang="zh-CN" b="1" dirty="0">
               <a:latin typeface="Alibaba Sans Black" panose="020B0A03020203040204" pitchFamily="34" charset="0"/>
@@ -3905,21 +3905,7 @@
                 <a:latin typeface="Alibaba Sans Light" panose="020B0303020203040204" pitchFamily="34" charset="0"/>
                 <a:cs typeface="Alibaba Sans Light" panose="020B0303020203040204" pitchFamily="34" charset="0"/>
               </a:rPr>
-              <a:t>animate</a:t>
-            </a:r>
-            <a:r>
-              <a:rPr lang="zh-CN" altLang="en-US" dirty="0">
-                <a:latin typeface="Alibaba Sans Light" panose="020B0303020203040204" pitchFamily="34" charset="0"/>
-                <a:cs typeface="Alibaba Sans Light" panose="020B0303020203040204" pitchFamily="34" charset="0"/>
-              </a:rPr>
-              <a:t> </a:t>
-            </a:r>
-            <a:r>
-              <a:rPr lang="en-US" altLang="zh-CN" dirty="0">
-                <a:latin typeface="Alibaba Sans Light" panose="020B0303020203040204" pitchFamily="34" charset="0"/>
-                <a:cs typeface="Alibaba Sans Light" panose="020B0303020203040204" pitchFamily="34" charset="0"/>
-              </a:rPr>
-              <a:t>characters with armature tech</a:t>
+              <a:t>use armature tech to modify characters’ pose</a:t>
             </a:r>
             <a:r>
               <a:rPr lang="zh-CN" altLang="en-US" dirty="0">
@@ -4092,23 +4078,6 @@
               <a:buChar char="•"/>
             </a:pPr>
             <a:r>
-              <a:rPr lang="zh-CN" altLang="en-US" dirty="0">
-                <a:latin typeface="Alibaba Sans Light" panose="020B0303020203040204" pitchFamily="34" charset="0"/>
-                <a:cs typeface="Alibaba Sans Light" panose="020B0303020203040204" pitchFamily="34" charset="0"/>
-              </a:rPr>
-              <a:t>关键帧</a:t>
-            </a:r>
-            <a:endParaRPr lang="en-US" altLang="zh-CN" dirty="0">
-              <a:latin typeface="Alibaba Sans Light" panose="020B0303020203040204" pitchFamily="34" charset="0"/>
-              <a:cs typeface="Alibaba Sans Light" panose="020B0303020203040204" pitchFamily="34" charset="0"/>
-            </a:endParaRPr>
-          </a:p>
-          <a:p>
-            <a:pPr marL="285750" indent="-285750">
-              <a:buFont typeface="Arial" panose="020B0604020202020204" pitchFamily="34" charset="0"/>
-              <a:buChar char="•"/>
-            </a:pPr>
-            <a:r>
               <a:rPr lang="en-US" altLang="zh-CN" dirty="0">
                 <a:latin typeface="Alibaba Sans Light" panose="020B0303020203040204" pitchFamily="34" charset="0"/>
                 <a:cs typeface="Alibaba Sans Light" panose="020B0303020203040204" pitchFamily="34" charset="0"/>
@@ -4128,6 +4097,25 @@
               </a:rPr>
               <a:t>Image as Plane</a:t>
             </a:r>
+          </a:p>
+          <a:p>
+            <a:pPr marL="285750" indent="-285750">
+              <a:buFont typeface="Arial" panose="020B0604020202020204" pitchFamily="34" charset="0"/>
+              <a:buChar char="•"/>
+            </a:pPr>
+            <a:r>
+              <a:rPr lang="en-US" altLang="zh-CN" dirty="0">
+                <a:latin typeface="Alibaba Sans Light" panose="020B0303020203040204" pitchFamily="34" charset="0"/>
+                <a:cs typeface="Alibaba Sans Light" panose="020B0303020203040204" pitchFamily="34" charset="0"/>
+              </a:rPr>
+              <a:t>Render-&gt; blend mode</a:t>
+            </a:r>
+          </a:p>
+          <a:p>
+            <a:endParaRPr lang="en-US" altLang="zh-CN" dirty="0">
+              <a:latin typeface="Alibaba Sans Light" panose="020B0303020203040204" pitchFamily="34" charset="0"/>
+              <a:cs typeface="Alibaba Sans Light" panose="020B0303020203040204" pitchFamily="34" charset="0"/>
+            </a:endParaRPr>
           </a:p>
           <a:p>
             <a:endParaRPr lang="en-US" altLang="zh-CN" dirty="0">
@@ -4168,27 +4156,18 @@
               <a:t>理解</a:t>
             </a:r>
             <a:r>
-              <a:rPr lang="en-US" altLang="zh-CN" dirty="0" err="1">
+              <a:rPr lang="en-US" altLang="zh-CN" dirty="0">
                 <a:latin typeface="Alibaba Sans Light" panose="020B0303020203040204" pitchFamily="34" charset="0"/>
                 <a:cs typeface="Alibaba Sans Light" panose="020B0303020203040204" pitchFamily="34" charset="0"/>
               </a:rPr>
-              <a:t>fbx</a:t>
-            </a:r>
-            <a:endParaRPr lang="en-US" altLang="zh-CN" dirty="0">
-              <a:latin typeface="Alibaba Sans Light" panose="020B0303020203040204" pitchFamily="34" charset="0"/>
-              <a:cs typeface="Alibaba Sans Light" panose="020B0303020203040204" pitchFamily="34" charset="0"/>
-            </a:endParaRPr>
-          </a:p>
-          <a:p>
-            <a:r>
-              <a:rPr lang="en-US" altLang="zh-CN" dirty="0">
-                <a:hlinkClick r:id="rId2"/>
-              </a:rPr>
-              <a:t>https://docs.blender.org/manual/en/dev/addons/import_export/io_scene_fbx.html?highlight=fbx</a:t>
-            </a:r>
-            <a:endParaRPr lang="en-US" altLang="zh-CN" dirty="0"/>
-          </a:p>
-          <a:p>
+              <a:t>armatures</a:t>
+            </a:r>
+          </a:p>
+          <a:p>
+            <a:r>
+              <a:rPr lang="en-US" altLang="zh-CN" dirty="0"/>
+              <a:t>https://docs.blender.org/manual/en/dev/animation/armatures/introduction.html</a:t>
+            </a:r>
             <a:endParaRPr lang="en-US" altLang="zh-CN" dirty="0">
               <a:latin typeface="Alibaba Sans Black" panose="020B0A03020203040204" pitchFamily="34" charset="0"/>
               <a:cs typeface="Alibaba Sans Black" panose="020B0A03020203040204" pitchFamily="34" charset="0"/>
